--- a/AIRBNB.pptx
+++ b/AIRBNB.pptx
@@ -892,6 +892,46 @@
       </pc:sldChg>
     </pc:docChg>
   </pc:docChgLst>
+  <pc:docChgLst>
+    <pc:chgData name="Saurabh Ganorkar" userId="84282e90645eea35" providerId="LiveId" clId="{FD9F701C-BD1D-4582-B367-BA1B2E63B2EE}"/>
+    <pc:docChg chg="custSel modSld">
+      <pc:chgData name="Saurabh Ganorkar" userId="84282e90645eea35" providerId="LiveId" clId="{FD9F701C-BD1D-4582-B367-BA1B2E63B2EE}" dt="2024-03-31T11:49:41.700" v="7" actId="14100"/>
+      <pc:docMkLst>
+        <pc:docMk/>
+      </pc:docMkLst>
+      <pc:sldChg chg="addSp delSp modSp mod">
+        <pc:chgData name="Saurabh Ganorkar" userId="84282e90645eea35" providerId="LiveId" clId="{FD9F701C-BD1D-4582-B367-BA1B2E63B2EE}" dt="2024-03-31T11:49:41.700" v="7" actId="14100"/>
+        <pc:sldMkLst>
+          <pc:docMk/>
+          <pc:sldMk cId="466437718" sldId="276"/>
+        </pc:sldMkLst>
+        <pc:picChg chg="add del mod">
+          <ac:chgData name="Saurabh Ganorkar" userId="84282e90645eea35" providerId="LiveId" clId="{FD9F701C-BD1D-4582-B367-BA1B2E63B2EE}" dt="2024-03-31T11:48:07.766" v="1" actId="21"/>
+          <ac:picMkLst>
+            <pc:docMk/>
+            <pc:sldMk cId="466437718" sldId="276"/>
+            <ac:picMk id="4" creationId="{CA63CFEB-93EA-C2F1-5AB2-438626C638E9}"/>
+          </ac:picMkLst>
+        </pc:picChg>
+        <pc:picChg chg="add mod">
+          <ac:chgData name="Saurabh Ganorkar" userId="84282e90645eea35" providerId="LiveId" clId="{FD9F701C-BD1D-4582-B367-BA1B2E63B2EE}" dt="2024-03-31T11:49:41.700" v="7" actId="14100"/>
+          <ac:picMkLst>
+            <pc:docMk/>
+            <pc:sldMk cId="466437718" sldId="276"/>
+            <ac:picMk id="6" creationId="{A5AC0357-021F-A5F7-2D8B-B232BC693101}"/>
+          </ac:picMkLst>
+        </pc:picChg>
+        <pc:picChg chg="del">
+          <ac:chgData name="Saurabh Ganorkar" userId="84282e90645eea35" providerId="LiveId" clId="{FD9F701C-BD1D-4582-B367-BA1B2E63B2EE}" dt="2024-03-31T11:49:19.611" v="2" actId="21"/>
+          <ac:picMkLst>
+            <pc:docMk/>
+            <pc:sldMk cId="466437718" sldId="276"/>
+            <ac:picMk id="7" creationId="{CA63CFEB-93EA-C2F1-5AB2-438626C638E9}"/>
+          </ac:picMkLst>
+        </pc:picChg>
+      </pc:sldChg>
+    </pc:docChg>
+  </pc:docChgLst>
 </pc:chgInfo>
 </file>
 
@@ -1042,7 +1082,7 @@
           <a:p>
             <a:fld id="{A5D7C0A5-D641-4505-AC46-7E8B83DA5A6A}" type="datetimeFigureOut">
               <a:rPr lang="en-US" smtClean="0"/>
-              <a:t>3/27/2024</a:t>
+              <a:t>3/31/2024</a:t>
             </a:fld>
             <a:endParaRPr lang="en-US"/>
           </a:p>
@@ -1240,7 +1280,7 @@
           <a:p>
             <a:fld id="{A5D7C0A5-D641-4505-AC46-7E8B83DA5A6A}" type="datetimeFigureOut">
               <a:rPr lang="en-US" smtClean="0"/>
-              <a:t>3/27/2024</a:t>
+              <a:t>3/31/2024</a:t>
             </a:fld>
             <a:endParaRPr lang="en-US"/>
           </a:p>
@@ -1448,7 +1488,7 @@
           <a:p>
             <a:fld id="{A5D7C0A5-D641-4505-AC46-7E8B83DA5A6A}" type="datetimeFigureOut">
               <a:rPr lang="en-US" smtClean="0"/>
-              <a:t>3/27/2024</a:t>
+              <a:t>3/31/2024</a:t>
             </a:fld>
             <a:endParaRPr lang="en-US"/>
           </a:p>
@@ -1646,7 +1686,7 @@
           <a:p>
             <a:fld id="{A5D7C0A5-D641-4505-AC46-7E8B83DA5A6A}" type="datetimeFigureOut">
               <a:rPr lang="en-US" smtClean="0"/>
-              <a:t>3/27/2024</a:t>
+              <a:t>3/31/2024</a:t>
             </a:fld>
             <a:endParaRPr lang="en-US"/>
           </a:p>
@@ -1921,7 +1961,7 @@
           <a:p>
             <a:fld id="{A5D7C0A5-D641-4505-AC46-7E8B83DA5A6A}" type="datetimeFigureOut">
               <a:rPr lang="en-US" smtClean="0"/>
-              <a:t>3/27/2024</a:t>
+              <a:t>3/31/2024</a:t>
             </a:fld>
             <a:endParaRPr lang="en-US"/>
           </a:p>
@@ -2186,7 +2226,7 @@
           <a:p>
             <a:fld id="{A5D7C0A5-D641-4505-AC46-7E8B83DA5A6A}" type="datetimeFigureOut">
               <a:rPr lang="en-US" smtClean="0"/>
-              <a:t>3/27/2024</a:t>
+              <a:t>3/31/2024</a:t>
             </a:fld>
             <a:endParaRPr lang="en-US"/>
           </a:p>
@@ -2598,7 +2638,7 @@
           <a:p>
             <a:fld id="{A5D7C0A5-D641-4505-AC46-7E8B83DA5A6A}" type="datetimeFigureOut">
               <a:rPr lang="en-US" smtClean="0"/>
-              <a:t>3/27/2024</a:t>
+              <a:t>3/31/2024</a:t>
             </a:fld>
             <a:endParaRPr lang="en-US"/>
           </a:p>
@@ -2739,7 +2779,7 @@
           <a:p>
             <a:fld id="{A5D7C0A5-D641-4505-AC46-7E8B83DA5A6A}" type="datetimeFigureOut">
               <a:rPr lang="en-US" smtClean="0"/>
-              <a:t>3/27/2024</a:t>
+              <a:t>3/31/2024</a:t>
             </a:fld>
             <a:endParaRPr lang="en-US"/>
           </a:p>
@@ -2852,7 +2892,7 @@
           <a:p>
             <a:fld id="{A5D7C0A5-D641-4505-AC46-7E8B83DA5A6A}" type="datetimeFigureOut">
               <a:rPr lang="en-US" smtClean="0"/>
-              <a:t>3/27/2024</a:t>
+              <a:t>3/31/2024</a:t>
             </a:fld>
             <a:endParaRPr lang="en-US"/>
           </a:p>
@@ -3163,7 +3203,7 @@
           <a:p>
             <a:fld id="{A5D7C0A5-D641-4505-AC46-7E8B83DA5A6A}" type="datetimeFigureOut">
               <a:rPr lang="en-US" smtClean="0"/>
-              <a:t>3/27/2024</a:t>
+              <a:t>3/31/2024</a:t>
             </a:fld>
             <a:endParaRPr lang="en-US"/>
           </a:p>
@@ -3451,7 +3491,7 @@
           <a:p>
             <a:fld id="{A5D7C0A5-D641-4505-AC46-7E8B83DA5A6A}" type="datetimeFigureOut">
               <a:rPr lang="en-US" smtClean="0"/>
-              <a:t>3/27/2024</a:t>
+              <a:t>3/31/2024</a:t>
             </a:fld>
             <a:endParaRPr lang="en-US"/>
           </a:p>
@@ -3692,7 +3732,7 @@
           <a:p>
             <a:fld id="{A5D7C0A5-D641-4505-AC46-7E8B83DA5A6A}" type="datetimeFigureOut">
               <a:rPr lang="en-US" smtClean="0"/>
-              <a:t>3/27/2024</a:t>
+              <a:t>3/31/2024</a:t>
             </a:fld>
             <a:endParaRPr lang="en-US"/>
           </a:p>
@@ -4979,10 +5019,10 @@
       </p:sp>
       <p:pic>
         <p:nvPicPr>
-          <p:cNvPr id="7" name="Picture 6">
-            <a:extLst>
-              <a:ext uri="{FF2B5EF4-FFF2-40B4-BE49-F238E27FC236}">
-                <a16:creationId xmlns:a16="http://schemas.microsoft.com/office/drawing/2014/main" id="{CA63CFEB-93EA-C2F1-5AB2-438626C638E9}"/>
+          <p:cNvPr id="6" name="Picture 5">
+            <a:extLst>
+              <a:ext uri="{FF2B5EF4-FFF2-40B4-BE49-F238E27FC236}">
+                <a16:creationId xmlns:a16="http://schemas.microsoft.com/office/drawing/2014/main" id="{A5AC0357-021F-A5F7-2D8B-B232BC693101}"/>
               </a:ext>
             </a:extLst>
           </p:cNvPr>
@@ -5005,8 +5045,8 @@
         </p:blipFill>
         <p:spPr>
           <a:xfrm>
-            <a:off x="1250674" y="1722078"/>
-            <a:ext cx="4412615" cy="1706922"/>
+            <a:off x="1311965" y="1577009"/>
+            <a:ext cx="4784035" cy="1696278"/>
           </a:xfrm>
           <a:prstGeom prst="rect">
             <a:avLst/>

--- a/AIRBNB.pptx
+++ b/AIRBNB.pptx
@@ -129,6 +129,107 @@
 
 <file path=ppt/changesInfos/changesInfo1.xml><?xml version="1.0" encoding="utf-8"?>
 <pc:chgInfo xmlns:a="http://schemas.openxmlformats.org/drawingml/2006/main" xmlns:r="http://schemas.openxmlformats.org/officeDocument/2006/relationships" xmlns:ac="http://schemas.microsoft.com/office/drawing/2013/main/command" xmlns:pc="http://schemas.microsoft.com/office/powerpoint/2013/main/command">
+  <pc:docChgLst>
+    <pc:chgData name="Saurabh Ganorkar" userId="84282e90645eea35" providerId="LiveId" clId="{FD9F701C-BD1D-4582-B367-BA1B2E63B2EE}"/>
+    <pc:docChg chg="custSel modSld">
+      <pc:chgData name="Saurabh Ganorkar" userId="84282e90645eea35" providerId="LiveId" clId="{FD9F701C-BD1D-4582-B367-BA1B2E63B2EE}" dt="2024-04-01T15:28:36.871" v="39" actId="14100"/>
+      <pc:docMkLst>
+        <pc:docMk/>
+      </pc:docMkLst>
+      <pc:sldChg chg="modSp mod">
+        <pc:chgData name="Saurabh Ganorkar" userId="84282e90645eea35" providerId="LiveId" clId="{FD9F701C-BD1D-4582-B367-BA1B2E63B2EE}" dt="2024-04-01T14:43:01.667" v="23" actId="20577"/>
+        <pc:sldMkLst>
+          <pc:docMk/>
+          <pc:sldMk cId="4038850173" sldId="257"/>
+        </pc:sldMkLst>
+        <pc:spChg chg="mod">
+          <ac:chgData name="Saurabh Ganorkar" userId="84282e90645eea35" providerId="LiveId" clId="{FD9F701C-BD1D-4582-B367-BA1B2E63B2EE}" dt="2024-04-01T14:43:01.667" v="23" actId="20577"/>
+          <ac:spMkLst>
+            <pc:docMk/>
+            <pc:sldMk cId="4038850173" sldId="257"/>
+            <ac:spMk id="3" creationId="{7DBAD18F-1E3C-A2FB-291D-191A068846E4}"/>
+          </ac:spMkLst>
+        </pc:spChg>
+      </pc:sldChg>
+      <pc:sldChg chg="modSp mod">
+        <pc:chgData name="Saurabh Ganorkar" userId="84282e90645eea35" providerId="LiveId" clId="{FD9F701C-BD1D-4582-B367-BA1B2E63B2EE}" dt="2024-04-01T15:28:36.871" v="39" actId="14100"/>
+        <pc:sldMkLst>
+          <pc:docMk/>
+          <pc:sldMk cId="701451776" sldId="264"/>
+        </pc:sldMkLst>
+        <pc:picChg chg="mod">
+          <ac:chgData name="Saurabh Ganorkar" userId="84282e90645eea35" providerId="LiveId" clId="{FD9F701C-BD1D-4582-B367-BA1B2E63B2EE}" dt="2024-04-01T15:28:36.871" v="39" actId="14100"/>
+          <ac:picMkLst>
+            <pc:docMk/>
+            <pc:sldMk cId="701451776" sldId="264"/>
+            <ac:picMk id="5" creationId="{E64057D0-94C2-1E36-07DA-BA9AA2998F36}"/>
+          </ac:picMkLst>
+        </pc:picChg>
+      </pc:sldChg>
+      <pc:sldChg chg="modSp mod">
+        <pc:chgData name="Saurabh Ganorkar" userId="84282e90645eea35" providerId="LiveId" clId="{FD9F701C-BD1D-4582-B367-BA1B2E63B2EE}" dt="2024-04-01T14:54:55.322" v="26" actId="20577"/>
+        <pc:sldMkLst>
+          <pc:docMk/>
+          <pc:sldMk cId="292293482" sldId="267"/>
+        </pc:sldMkLst>
+        <pc:spChg chg="mod">
+          <ac:chgData name="Saurabh Ganorkar" userId="84282e90645eea35" providerId="LiveId" clId="{FD9F701C-BD1D-4582-B367-BA1B2E63B2EE}" dt="2024-04-01T14:54:55.322" v="26" actId="20577"/>
+          <ac:spMkLst>
+            <pc:docMk/>
+            <pc:sldMk cId="292293482" sldId="267"/>
+            <ac:spMk id="3" creationId="{8211428B-04A1-6990-C2A4-00E42981EEEF}"/>
+          </ac:spMkLst>
+        </pc:spChg>
+      </pc:sldChg>
+      <pc:sldChg chg="addSp delSp modSp mod">
+        <pc:chgData name="Saurabh Ganorkar" userId="84282e90645eea35" providerId="LiveId" clId="{FD9F701C-BD1D-4582-B367-BA1B2E63B2EE}" dt="2024-04-01T15:02:05.620" v="35" actId="113"/>
+        <pc:sldMkLst>
+          <pc:docMk/>
+          <pc:sldMk cId="466437718" sldId="276"/>
+        </pc:sldMkLst>
+        <pc:spChg chg="mod">
+          <ac:chgData name="Saurabh Ganorkar" userId="84282e90645eea35" providerId="LiveId" clId="{FD9F701C-BD1D-4582-B367-BA1B2E63B2EE}" dt="2024-04-01T15:02:05.620" v="35" actId="113"/>
+          <ac:spMkLst>
+            <pc:docMk/>
+            <pc:sldMk cId="466437718" sldId="276"/>
+            <ac:spMk id="3" creationId="{ADFD1F7E-58D2-A967-3EE9-3B82AB197E5A}"/>
+          </ac:spMkLst>
+        </pc:spChg>
+        <pc:picChg chg="add del mod">
+          <ac:chgData name="Saurabh Ganorkar" userId="84282e90645eea35" providerId="LiveId" clId="{FD9F701C-BD1D-4582-B367-BA1B2E63B2EE}" dt="2024-03-31T11:48:07.766" v="1" actId="21"/>
+          <ac:picMkLst>
+            <pc:docMk/>
+            <pc:sldMk cId="466437718" sldId="276"/>
+            <ac:picMk id="4" creationId="{CA63CFEB-93EA-C2F1-5AB2-438626C638E9}"/>
+          </ac:picMkLst>
+        </pc:picChg>
+        <pc:picChg chg="add mod">
+          <ac:chgData name="Saurabh Ganorkar" userId="84282e90645eea35" providerId="LiveId" clId="{FD9F701C-BD1D-4582-B367-BA1B2E63B2EE}" dt="2024-04-01T14:59:21.004" v="33" actId="14100"/>
+          <ac:picMkLst>
+            <pc:docMk/>
+            <pc:sldMk cId="466437718" sldId="276"/>
+            <ac:picMk id="5" creationId="{C0FF9EE3-9BFF-A102-0F97-93017B937273}"/>
+          </ac:picMkLst>
+        </pc:picChg>
+        <pc:picChg chg="add del mod">
+          <ac:chgData name="Saurabh Ganorkar" userId="84282e90645eea35" providerId="LiveId" clId="{FD9F701C-BD1D-4582-B367-BA1B2E63B2EE}" dt="2024-04-01T14:58:53.244" v="27" actId="21"/>
+          <ac:picMkLst>
+            <pc:docMk/>
+            <pc:sldMk cId="466437718" sldId="276"/>
+            <ac:picMk id="6" creationId="{A5AC0357-021F-A5F7-2D8B-B232BC693101}"/>
+          </ac:picMkLst>
+        </pc:picChg>
+        <pc:picChg chg="del">
+          <ac:chgData name="Saurabh Ganorkar" userId="84282e90645eea35" providerId="LiveId" clId="{FD9F701C-BD1D-4582-B367-BA1B2E63B2EE}" dt="2024-03-31T11:49:19.611" v="2" actId="21"/>
+          <ac:picMkLst>
+            <pc:docMk/>
+            <pc:sldMk cId="466437718" sldId="276"/>
+            <ac:picMk id="7" creationId="{CA63CFEB-93EA-C2F1-5AB2-438626C638E9}"/>
+          </ac:picMkLst>
+        </pc:picChg>
+      </pc:sldChg>
+    </pc:docChg>
+  </pc:docChgLst>
   <pc:docChgLst>
     <pc:chgData name="Saurabh Ganorkar" userId="84282e90645eea35" providerId="LiveId" clId="{928611A4-3722-468D-828F-4AB5B5EFD4D5}"/>
     <pc:docChg chg="undo custSel addSld delSld modSld">
@@ -892,46 +993,6 @@
       </pc:sldChg>
     </pc:docChg>
   </pc:docChgLst>
-  <pc:docChgLst>
-    <pc:chgData name="Saurabh Ganorkar" userId="84282e90645eea35" providerId="LiveId" clId="{FD9F701C-BD1D-4582-B367-BA1B2E63B2EE}"/>
-    <pc:docChg chg="custSel modSld">
-      <pc:chgData name="Saurabh Ganorkar" userId="84282e90645eea35" providerId="LiveId" clId="{FD9F701C-BD1D-4582-B367-BA1B2E63B2EE}" dt="2024-03-31T11:49:41.700" v="7" actId="14100"/>
-      <pc:docMkLst>
-        <pc:docMk/>
-      </pc:docMkLst>
-      <pc:sldChg chg="addSp delSp modSp mod">
-        <pc:chgData name="Saurabh Ganorkar" userId="84282e90645eea35" providerId="LiveId" clId="{FD9F701C-BD1D-4582-B367-BA1B2E63B2EE}" dt="2024-03-31T11:49:41.700" v="7" actId="14100"/>
-        <pc:sldMkLst>
-          <pc:docMk/>
-          <pc:sldMk cId="466437718" sldId="276"/>
-        </pc:sldMkLst>
-        <pc:picChg chg="add del mod">
-          <ac:chgData name="Saurabh Ganorkar" userId="84282e90645eea35" providerId="LiveId" clId="{FD9F701C-BD1D-4582-B367-BA1B2E63B2EE}" dt="2024-03-31T11:48:07.766" v="1" actId="21"/>
-          <ac:picMkLst>
-            <pc:docMk/>
-            <pc:sldMk cId="466437718" sldId="276"/>
-            <ac:picMk id="4" creationId="{CA63CFEB-93EA-C2F1-5AB2-438626C638E9}"/>
-          </ac:picMkLst>
-        </pc:picChg>
-        <pc:picChg chg="add mod">
-          <ac:chgData name="Saurabh Ganorkar" userId="84282e90645eea35" providerId="LiveId" clId="{FD9F701C-BD1D-4582-B367-BA1B2E63B2EE}" dt="2024-03-31T11:49:41.700" v="7" actId="14100"/>
-          <ac:picMkLst>
-            <pc:docMk/>
-            <pc:sldMk cId="466437718" sldId="276"/>
-            <ac:picMk id="6" creationId="{A5AC0357-021F-A5F7-2D8B-B232BC693101}"/>
-          </ac:picMkLst>
-        </pc:picChg>
-        <pc:picChg chg="del">
-          <ac:chgData name="Saurabh Ganorkar" userId="84282e90645eea35" providerId="LiveId" clId="{FD9F701C-BD1D-4582-B367-BA1B2E63B2EE}" dt="2024-03-31T11:49:19.611" v="2" actId="21"/>
-          <ac:picMkLst>
-            <pc:docMk/>
-            <pc:sldMk cId="466437718" sldId="276"/>
-            <ac:picMk id="7" creationId="{CA63CFEB-93EA-C2F1-5AB2-438626C638E9}"/>
-          </ac:picMkLst>
-        </pc:picChg>
-      </pc:sldChg>
-    </pc:docChg>
-  </pc:docChgLst>
 </pc:chgInfo>
 </file>
 
@@ -1082,7 +1143,7 @@
           <a:p>
             <a:fld id="{A5D7C0A5-D641-4505-AC46-7E8B83DA5A6A}" type="datetimeFigureOut">
               <a:rPr lang="en-US" smtClean="0"/>
-              <a:t>3/31/2024</a:t>
+              <a:t>4/6/2024</a:t>
             </a:fld>
             <a:endParaRPr lang="en-US"/>
           </a:p>
@@ -1280,7 +1341,7 @@
           <a:p>
             <a:fld id="{A5D7C0A5-D641-4505-AC46-7E8B83DA5A6A}" type="datetimeFigureOut">
               <a:rPr lang="en-US" smtClean="0"/>
-              <a:t>3/31/2024</a:t>
+              <a:t>4/6/2024</a:t>
             </a:fld>
             <a:endParaRPr lang="en-US"/>
           </a:p>
@@ -1488,7 +1549,7 @@
           <a:p>
             <a:fld id="{A5D7C0A5-D641-4505-AC46-7E8B83DA5A6A}" type="datetimeFigureOut">
               <a:rPr lang="en-US" smtClean="0"/>
-              <a:t>3/31/2024</a:t>
+              <a:t>4/6/2024</a:t>
             </a:fld>
             <a:endParaRPr lang="en-US"/>
           </a:p>
@@ -1686,7 +1747,7 @@
           <a:p>
             <a:fld id="{A5D7C0A5-D641-4505-AC46-7E8B83DA5A6A}" type="datetimeFigureOut">
               <a:rPr lang="en-US" smtClean="0"/>
-              <a:t>3/31/2024</a:t>
+              <a:t>4/6/2024</a:t>
             </a:fld>
             <a:endParaRPr lang="en-US"/>
           </a:p>
@@ -1961,7 +2022,7 @@
           <a:p>
             <a:fld id="{A5D7C0A5-D641-4505-AC46-7E8B83DA5A6A}" type="datetimeFigureOut">
               <a:rPr lang="en-US" smtClean="0"/>
-              <a:t>3/31/2024</a:t>
+              <a:t>4/6/2024</a:t>
             </a:fld>
             <a:endParaRPr lang="en-US"/>
           </a:p>
@@ -2226,7 +2287,7 @@
           <a:p>
             <a:fld id="{A5D7C0A5-D641-4505-AC46-7E8B83DA5A6A}" type="datetimeFigureOut">
               <a:rPr lang="en-US" smtClean="0"/>
-              <a:t>3/31/2024</a:t>
+              <a:t>4/6/2024</a:t>
             </a:fld>
             <a:endParaRPr lang="en-US"/>
           </a:p>
@@ -2638,7 +2699,7 @@
           <a:p>
             <a:fld id="{A5D7C0A5-D641-4505-AC46-7E8B83DA5A6A}" type="datetimeFigureOut">
               <a:rPr lang="en-US" smtClean="0"/>
-              <a:t>3/31/2024</a:t>
+              <a:t>4/6/2024</a:t>
             </a:fld>
             <a:endParaRPr lang="en-US"/>
           </a:p>
@@ -2779,7 +2840,7 @@
           <a:p>
             <a:fld id="{A5D7C0A5-D641-4505-AC46-7E8B83DA5A6A}" type="datetimeFigureOut">
               <a:rPr lang="en-US" smtClean="0"/>
-              <a:t>3/31/2024</a:t>
+              <a:t>4/6/2024</a:t>
             </a:fld>
             <a:endParaRPr lang="en-US"/>
           </a:p>
@@ -2892,7 +2953,7 @@
           <a:p>
             <a:fld id="{A5D7C0A5-D641-4505-AC46-7E8B83DA5A6A}" type="datetimeFigureOut">
               <a:rPr lang="en-US" smtClean="0"/>
-              <a:t>3/31/2024</a:t>
+              <a:t>4/6/2024</a:t>
             </a:fld>
             <a:endParaRPr lang="en-US"/>
           </a:p>
@@ -3203,7 +3264,7 @@
           <a:p>
             <a:fld id="{A5D7C0A5-D641-4505-AC46-7E8B83DA5A6A}" type="datetimeFigureOut">
               <a:rPr lang="en-US" smtClean="0"/>
-              <a:t>3/31/2024</a:t>
+              <a:t>4/6/2024</a:t>
             </a:fld>
             <a:endParaRPr lang="en-US"/>
           </a:p>
@@ -3491,7 +3552,7 @@
           <a:p>
             <a:fld id="{A5D7C0A5-D641-4505-AC46-7E8B83DA5A6A}" type="datetimeFigureOut">
               <a:rPr lang="en-US" smtClean="0"/>
-              <a:t>3/31/2024</a:t>
+              <a:t>4/6/2024</a:t>
             </a:fld>
             <a:endParaRPr lang="en-US"/>
           </a:p>
@@ -3732,7 +3793,7 @@
           <a:p>
             <a:fld id="{A5D7C0A5-D641-4505-AC46-7E8B83DA5A6A}" type="datetimeFigureOut">
               <a:rPr lang="en-US" smtClean="0"/>
-              <a:t>3/31/2024</a:t>
+              <a:t>4/6/2024</a:t>
             </a:fld>
             <a:endParaRPr lang="en-US"/>
           </a:p>
@@ -4776,7 +4837,7 @@
                 </a:solidFill>
                 <a:effectLst/>
               </a:rPr>
-              <a:t>There is a positive correlation between the number of bedrooms and the price of listings.\</a:t>
+              <a:t>There is a positive correlation between the number of bedrooms and the price of listings.</a:t>
             </a:r>
           </a:p>
           <a:p>
@@ -4916,13 +4977,114 @@
         </p:nvSpPr>
         <p:spPr>
           <a:xfrm>
-            <a:off x="556591" y="1179444"/>
-            <a:ext cx="10797209" cy="4997519"/>
+            <a:off x="556591" y="914400"/>
+            <a:ext cx="10797209" cy="5262563"/>
           </a:xfrm>
         </p:spPr>
         <p:txBody>
-          <a:bodyPr/>
+          <a:bodyPr>
+            <a:normAutofit/>
+          </a:bodyPr>
           <a:lstStyle/>
+          <a:p>
+            <a:pPr marL="0" marR="0">
+              <a:lnSpc>
+                <a:spcPct val="107000"/>
+              </a:lnSpc>
+              <a:spcBef>
+                <a:spcPts val="0"/>
+              </a:spcBef>
+              <a:spcAft>
+                <a:spcPts val="800"/>
+              </a:spcAft>
+            </a:pPr>
+            <a:r>
+              <a:rPr lang="en-IN" sz="1800" b="1" kern="0" dirty="0">
+                <a:solidFill>
+                  <a:srgbClr val="000000"/>
+                </a:solidFill>
+                <a:effectLst/>
+                <a:highlight>
+                  <a:srgbClr val="FFFFFF"/>
+                </a:highlight>
+                <a:ea typeface="Times New Roman" panose="02020603050405020304" pitchFamily="18" charset="0"/>
+                <a:cs typeface="Times New Roman" panose="02020603050405020304" pitchFamily="18" charset="0"/>
+              </a:rPr>
+              <a:t>Explain your approach on creating train/test/validation splits. </a:t>
+            </a:r>
+            <a:endParaRPr lang="en-US" sz="1800" kern="100" dirty="0">
+              <a:effectLst/>
+              <a:highlight>
+                <a:srgbClr val="FFFFFF"/>
+              </a:highlight>
+              <a:ea typeface="Calibri" panose="020F0502020204030204" pitchFamily="34" charset="0"/>
+              <a:cs typeface="Times New Roman" panose="02020603050405020304" pitchFamily="18" charset="0"/>
+            </a:endParaRPr>
+          </a:p>
+          <a:p>
+            <a:pPr marL="0" marR="0">
+              <a:lnSpc>
+                <a:spcPct val="107000"/>
+              </a:lnSpc>
+              <a:spcBef>
+                <a:spcPts val="0"/>
+              </a:spcBef>
+              <a:spcAft>
+                <a:spcPts val="800"/>
+              </a:spcAft>
+            </a:pPr>
+            <a:r>
+              <a:rPr lang="en-IN" sz="1800" kern="0" dirty="0">
+                <a:solidFill>
+                  <a:srgbClr val="000000"/>
+                </a:solidFill>
+                <a:highlight>
+                  <a:srgbClr val="FFFFFF"/>
+                </a:highlight>
+                <a:ea typeface="Times New Roman" panose="02020603050405020304" pitchFamily="18" charset="0"/>
+                <a:cs typeface="Times New Roman" panose="02020603050405020304" pitchFamily="18" charset="0"/>
+              </a:rPr>
+              <a:t>7</a:t>
+            </a:r>
+            <a:r>
+              <a:rPr lang="en-IN" sz="1800" kern="0" dirty="0">
+                <a:solidFill>
+                  <a:srgbClr val="000000"/>
+                </a:solidFill>
+                <a:effectLst/>
+                <a:highlight>
+                  <a:srgbClr val="FFFFFF"/>
+                </a:highlight>
+                <a:ea typeface="Times New Roman" panose="02020603050405020304" pitchFamily="18" charset="0"/>
+                <a:cs typeface="Times New Roman" panose="02020603050405020304" pitchFamily="18" charset="0"/>
+              </a:rPr>
+              <a:t>0% data has been put in the training set and 30% in the testing set.</a:t>
+            </a:r>
+            <a:endParaRPr lang="en-US" sz="1800" kern="100" dirty="0">
+              <a:effectLst/>
+              <a:highlight>
+                <a:srgbClr val="FFFFFF"/>
+              </a:highlight>
+              <a:ea typeface="Calibri" panose="020F0502020204030204" pitchFamily="34" charset="0"/>
+              <a:cs typeface="Times New Roman" panose="02020603050405020304" pitchFamily="18" charset="0"/>
+            </a:endParaRPr>
+          </a:p>
+          <a:p>
+            <a:pPr marL="0" indent="0">
+              <a:buNone/>
+            </a:pPr>
+            <a:r>
+              <a:rPr lang="en-IN" sz="1800" b="1" kern="0" dirty="0">
+                <a:solidFill>
+                  <a:srgbClr val="000000"/>
+                </a:solidFill>
+                <a:effectLst/>
+                <a:ea typeface="Times New Roman" panose="02020603050405020304" pitchFamily="18" charset="0"/>
+              </a:rPr>
+              <a:t>Experiment with Linear Regression, Decision Tree, Random Forest ,Gradient Boosting.</a:t>
+            </a:r>
+            <a:endParaRPr lang="en-US" sz="2000" b="1" dirty="0"/>
+          </a:p>
           <a:p>
             <a:pPr marL="0" indent="0">
               <a:buNone/>
@@ -4993,7 +5155,7 @@
                 </a:solidFill>
                 <a:effectLst/>
               </a:rPr>
-              <a:t>Model Selection Based on the comparison matrix, the model with the lowest MSE will be selected as the final model.</a:t>
+              <a:t>Model Selection Based on the comparison matrix, the model with the lowest RMSE will be selected as the final model.</a:t>
             </a:r>
             <a:r>
               <a:rPr lang="en-US" sz="1800" b="1" i="0" dirty="0">
@@ -5006,7 +5168,15 @@
             </a:r>
             <a:r>
               <a:rPr lang="en-US" sz="1800" dirty="0"/>
-              <a:t>From above Comparison Metrics it is observed that  the accuracy score(R2 Score) is high for Random Forest Regressor Model. So that this model is considered as final model for price  prediction of Airbnb listings.</a:t>
+              <a:t>From above Comparison Metrics it is observed that  the accuracy score(R2 Score) is high for </a:t>
+            </a:r>
+            <a:r>
+              <a:rPr lang="en-US" sz="1800" b="1" dirty="0"/>
+              <a:t>Random Forest Regressor Model</a:t>
+            </a:r>
+            <a:r>
+              <a:rPr lang="en-US" sz="1800" dirty="0"/>
+              <a:t>. So that this model is considered as final model for price  prediction of Airbnb listings.</a:t>
             </a:r>
           </a:p>
           <a:p>
@@ -5019,10 +5189,10 @@
       </p:sp>
       <p:pic>
         <p:nvPicPr>
-          <p:cNvPr id="6" name="Picture 5">
-            <a:extLst>
-              <a:ext uri="{FF2B5EF4-FFF2-40B4-BE49-F238E27FC236}">
-                <a16:creationId xmlns:a16="http://schemas.microsoft.com/office/drawing/2014/main" id="{A5AC0357-021F-A5F7-2D8B-B232BC693101}"/>
+          <p:cNvPr id="5" name="Picture 4">
+            <a:extLst>
+              <a:ext uri="{FF2B5EF4-FFF2-40B4-BE49-F238E27FC236}">
+                <a16:creationId xmlns:a16="http://schemas.microsoft.com/office/drawing/2014/main" id="{C0FF9EE3-9BFF-A102-0F97-93017B937273}"/>
               </a:ext>
             </a:extLst>
           </p:cNvPr>
@@ -5045,8 +5215,8 @@
         </p:blipFill>
         <p:spPr>
           <a:xfrm>
-            <a:off x="1311965" y="1577009"/>
-            <a:ext cx="4784035" cy="1696278"/>
+            <a:off x="1590261" y="2783681"/>
+            <a:ext cx="4770782" cy="1524000"/>
           </a:xfrm>
           <a:prstGeom prst="rect">
             <a:avLst/>
@@ -5800,10 +5970,24 @@
         </p:spPr>
         <p:txBody>
           <a:bodyPr>
-            <a:normAutofit/>
+            <a:normAutofit fontScale="92500" lnSpcReduction="10000"/>
           </a:bodyPr>
           <a:lstStyle/>
           <a:p>
+            <a:pPr>
+              <a:lnSpc>
+                <a:spcPct val="110000"/>
+              </a:lnSpc>
+            </a:pPr>
+            <a:r>
+              <a:rPr lang="en-US" sz="2100" b="1" i="0" dirty="0">
+                <a:solidFill>
+                  <a:srgbClr val="0D0D0D"/>
+                </a:solidFill>
+                <a:effectLst/>
+              </a:rPr>
+              <a:t>Airbnb, inc.</a:t>
+            </a:r>
             <a:r>
               <a:rPr lang="en-US" sz="2100" b="0" i="0" dirty="0">
                 <a:solidFill>
@@ -5811,15 +5995,322 @@
                 </a:solidFill>
                 <a:effectLst/>
               </a:rPr>
-              <a:t>Airbnb </a:t>
-            </a:r>
+              <a:t> </a:t>
+            </a:r>
+            <a:r>
+              <a:rPr lang="en-IN" sz="1800" dirty="0">
+                <a:solidFill>
+                  <a:srgbClr val="202122"/>
+                </a:solidFill>
+                <a:effectLst/>
+                <a:highlight>
+                  <a:srgbClr val="FFFFFF"/>
+                </a:highlight>
+                <a:latin typeface="Arial" panose="020B0604020202020204" pitchFamily="34" charset="0"/>
+                <a:ea typeface="Calibri" panose="020F0502020204030204" pitchFamily="34" charset="0"/>
+              </a:rPr>
+              <a:t>is an American company operating an </a:t>
+            </a:r>
+            <a:r>
+              <a:rPr lang="en-IN" sz="1800" dirty="0">
+                <a:solidFill>
+                  <a:srgbClr val="000000"/>
+                </a:solidFill>
+                <a:effectLst/>
+                <a:highlight>
+                  <a:srgbClr val="FFFFFF"/>
+                </a:highlight>
+                <a:latin typeface="Arial" panose="020B0604020202020204" pitchFamily="34" charset="0"/>
+                <a:ea typeface="Calibri" panose="020F0502020204030204" pitchFamily="34" charset="0"/>
+              </a:rPr>
+              <a:t>online marketplace</a:t>
+            </a:r>
+            <a:r>
+              <a:rPr lang="en-IN" sz="1800" dirty="0">
+                <a:solidFill>
+                  <a:srgbClr val="202122"/>
+                </a:solidFill>
+                <a:effectLst/>
+                <a:highlight>
+                  <a:srgbClr val="FFFFFF"/>
+                </a:highlight>
+                <a:latin typeface="Arial" panose="020B0604020202020204" pitchFamily="34" charset="0"/>
+                <a:ea typeface="Calibri" panose="020F0502020204030204" pitchFamily="34" charset="0"/>
+              </a:rPr>
+              <a:t> for short- and long-term </a:t>
+            </a:r>
+            <a:r>
+              <a:rPr lang="en-IN" sz="1800" dirty="0">
+                <a:solidFill>
+                  <a:srgbClr val="000000"/>
+                </a:solidFill>
+                <a:effectLst/>
+                <a:highlight>
+                  <a:srgbClr val="FFFFFF"/>
+                </a:highlight>
+                <a:latin typeface="Arial" panose="020B0604020202020204" pitchFamily="34" charset="0"/>
+                <a:ea typeface="Calibri" panose="020F0502020204030204" pitchFamily="34" charset="0"/>
+              </a:rPr>
+              <a:t>homestays</a:t>
+            </a:r>
+            <a:r>
+              <a:rPr lang="en-IN" sz="1800" dirty="0">
+                <a:solidFill>
+                  <a:srgbClr val="202122"/>
+                </a:solidFill>
+                <a:effectLst/>
+                <a:highlight>
+                  <a:srgbClr val="FFFFFF"/>
+                </a:highlight>
+                <a:latin typeface="Arial" panose="020B0604020202020204" pitchFamily="34" charset="0"/>
+                <a:ea typeface="Calibri" panose="020F0502020204030204" pitchFamily="34" charset="0"/>
+              </a:rPr>
+              <a:t> and experiences. The company acts as a </a:t>
+            </a:r>
+            <a:r>
+              <a:rPr lang="en-IN" sz="1800" dirty="0">
+                <a:solidFill>
+                  <a:srgbClr val="000000"/>
+                </a:solidFill>
+                <a:effectLst/>
+                <a:highlight>
+                  <a:srgbClr val="FFFFFF"/>
+                </a:highlight>
+                <a:latin typeface="Arial" panose="020B0604020202020204" pitchFamily="34" charset="0"/>
+                <a:ea typeface="Calibri" panose="020F0502020204030204" pitchFamily="34" charset="0"/>
+              </a:rPr>
+              <a:t>broker</a:t>
+            </a:r>
+            <a:r>
+              <a:rPr lang="en-IN" sz="1800" dirty="0">
+                <a:solidFill>
+                  <a:srgbClr val="202122"/>
+                </a:solidFill>
+                <a:effectLst/>
+                <a:highlight>
+                  <a:srgbClr val="FFFFFF"/>
+                </a:highlight>
+                <a:latin typeface="Arial" panose="020B0604020202020204" pitchFamily="34" charset="0"/>
+                <a:ea typeface="Calibri" panose="020F0502020204030204" pitchFamily="34" charset="0"/>
+              </a:rPr>
+              <a:t> and charges a </a:t>
+            </a:r>
+            <a:r>
+              <a:rPr lang="en-IN" sz="1800" dirty="0">
+                <a:solidFill>
+                  <a:srgbClr val="000000"/>
+                </a:solidFill>
+                <a:effectLst/>
+                <a:highlight>
+                  <a:srgbClr val="FFFFFF"/>
+                </a:highlight>
+                <a:latin typeface="Arial" panose="020B0604020202020204" pitchFamily="34" charset="0"/>
+                <a:ea typeface="Calibri" panose="020F0502020204030204" pitchFamily="34" charset="0"/>
+              </a:rPr>
+              <a:t>commission</a:t>
+            </a:r>
+            <a:r>
+              <a:rPr lang="en-IN" sz="1800" dirty="0">
+                <a:solidFill>
+                  <a:srgbClr val="202122"/>
+                </a:solidFill>
+                <a:effectLst/>
+                <a:highlight>
+                  <a:srgbClr val="FFFFFF"/>
+                </a:highlight>
+                <a:latin typeface="Arial" panose="020B0604020202020204" pitchFamily="34" charset="0"/>
+                <a:ea typeface="Calibri" panose="020F0502020204030204" pitchFamily="34" charset="0"/>
+              </a:rPr>
+              <a:t> from each booking. The company was founded in 2008 by </a:t>
+            </a:r>
+            <a:r>
+              <a:rPr lang="en-IN" sz="1800" dirty="0">
+                <a:solidFill>
+                  <a:srgbClr val="000000"/>
+                </a:solidFill>
+                <a:effectLst/>
+                <a:highlight>
+                  <a:srgbClr val="FFFFFF"/>
+                </a:highlight>
+                <a:latin typeface="Arial" panose="020B0604020202020204" pitchFamily="34" charset="0"/>
+                <a:ea typeface="Calibri" panose="020F0502020204030204" pitchFamily="34" charset="0"/>
+              </a:rPr>
+              <a:t>Brian Chesky</a:t>
+            </a:r>
+            <a:r>
+              <a:rPr lang="en-IN" sz="1800" dirty="0">
+                <a:solidFill>
+                  <a:srgbClr val="202122"/>
+                </a:solidFill>
+                <a:effectLst/>
+                <a:highlight>
+                  <a:srgbClr val="FFFFFF"/>
+                </a:highlight>
+                <a:latin typeface="Arial" panose="020B0604020202020204" pitchFamily="34" charset="0"/>
+                <a:ea typeface="Calibri" panose="020F0502020204030204" pitchFamily="34" charset="0"/>
+              </a:rPr>
+              <a:t>, </a:t>
+            </a:r>
+            <a:r>
+              <a:rPr lang="en-IN" sz="1800" dirty="0">
+                <a:solidFill>
+                  <a:srgbClr val="000000"/>
+                </a:solidFill>
+                <a:effectLst/>
+                <a:highlight>
+                  <a:srgbClr val="FFFFFF"/>
+                </a:highlight>
+                <a:latin typeface="Arial" panose="020B0604020202020204" pitchFamily="34" charset="0"/>
+                <a:ea typeface="Calibri" panose="020F0502020204030204" pitchFamily="34" charset="0"/>
+              </a:rPr>
+              <a:t>Nathan Blecharczyk</a:t>
+            </a:r>
+            <a:r>
+              <a:rPr lang="en-IN" sz="1800" dirty="0">
+                <a:solidFill>
+                  <a:srgbClr val="202122"/>
+                </a:solidFill>
+                <a:effectLst/>
+                <a:highlight>
+                  <a:srgbClr val="FFFFFF"/>
+                </a:highlight>
+                <a:latin typeface="Arial" panose="020B0604020202020204" pitchFamily="34" charset="0"/>
+                <a:ea typeface="Calibri" panose="020F0502020204030204" pitchFamily="34" charset="0"/>
+              </a:rPr>
+              <a:t>, and </a:t>
+            </a:r>
+            <a:r>
+              <a:rPr lang="en-IN" sz="1800" dirty="0">
+                <a:solidFill>
+                  <a:srgbClr val="000000"/>
+                </a:solidFill>
+                <a:effectLst/>
+                <a:highlight>
+                  <a:srgbClr val="FFFFFF"/>
+                </a:highlight>
+                <a:latin typeface="Arial" panose="020B0604020202020204" pitchFamily="34" charset="0"/>
+                <a:ea typeface="Calibri" panose="020F0502020204030204" pitchFamily="34" charset="0"/>
+              </a:rPr>
+              <a:t>Joe Gebbia</a:t>
+            </a:r>
+            <a:r>
+              <a:rPr lang="en-IN" sz="1800" dirty="0">
+                <a:solidFill>
+                  <a:srgbClr val="202122"/>
+                </a:solidFill>
+                <a:effectLst/>
+                <a:highlight>
+                  <a:srgbClr val="FFFFFF"/>
+                </a:highlight>
+                <a:latin typeface="Arial" panose="020B0604020202020204" pitchFamily="34" charset="0"/>
+                <a:ea typeface="Calibri" panose="020F0502020204030204" pitchFamily="34" charset="0"/>
+              </a:rPr>
+              <a:t>. Airbnb is a shortened version of its original name, AirBedandBreakfast.com.</a:t>
+            </a:r>
+            <a:r>
+              <a:rPr lang="en-US" sz="2100" b="0" i="0" dirty="0">
+                <a:solidFill>
+                  <a:srgbClr val="0D0D0D"/>
+                </a:solidFill>
+                <a:effectLst/>
+              </a:rPr>
+              <a:t> </a:t>
+            </a:r>
+          </a:p>
+          <a:p>
+            <a:pPr marL="0" indent="0">
+              <a:buNone/>
+            </a:pPr>
+            <a:endParaRPr lang="en-US" sz="2100" b="0" i="0" dirty="0">
+              <a:solidFill>
+                <a:srgbClr val="0D0D0D"/>
+              </a:solidFill>
+              <a:effectLst/>
+            </a:endParaRPr>
+          </a:p>
+          <a:p>
+            <a:r>
+              <a:rPr lang="en-IN" sz="1800" b="1" kern="100" dirty="0">
+                <a:solidFill>
+                  <a:srgbClr val="000000"/>
+                </a:solidFill>
+                <a:effectLst/>
+                <a:highlight>
+                  <a:srgbClr val="FFFFFF"/>
+                </a:highlight>
+                <a:latin typeface="Arial" panose="020B0604020202020204" pitchFamily="34" charset="0"/>
+                <a:ea typeface="Calibri" panose="020F0502020204030204" pitchFamily="34" charset="0"/>
+                <a:cs typeface="Times New Roman" panose="02020603050405020304" pitchFamily="18" charset="0"/>
+              </a:rPr>
+              <a:t>Area of study- Antwerp (Belgium)</a:t>
+            </a:r>
+          </a:p>
+          <a:p>
+            <a:endParaRPr lang="en-US" sz="1800" kern="100" dirty="0">
+              <a:effectLst/>
+              <a:highlight>
+                <a:srgbClr val="FFFFFF"/>
+              </a:highlight>
+              <a:latin typeface="Calibri" panose="020F0502020204030204" pitchFamily="34" charset="0"/>
+              <a:ea typeface="Calibri" panose="020F0502020204030204" pitchFamily="34" charset="0"/>
+              <a:cs typeface="Times New Roman" panose="02020603050405020304" pitchFamily="18" charset="0"/>
+            </a:endParaRPr>
+          </a:p>
+          <a:p>
+            <a:r>
+              <a:rPr lang="en-US" sz="2100" b="1" dirty="0">
+                <a:solidFill>
+                  <a:srgbClr val="C00000"/>
+                </a:solidFill>
+              </a:rPr>
+              <a:t>Objective:</a:t>
+            </a:r>
+            <a:endParaRPr lang="en-US" sz="2100" b="0" i="0" dirty="0">
+              <a:solidFill>
+                <a:srgbClr val="0D0D0D"/>
+              </a:solidFill>
+              <a:effectLst/>
+            </a:endParaRPr>
+          </a:p>
+          <a:p>
+            <a:r>
+              <a:rPr lang="en-US" sz="2100" b="0" i="0" dirty="0">
+                <a:solidFill>
+                  <a:srgbClr val="0D0D0D"/>
+                </a:solidFill>
+                <a:effectLst/>
+              </a:rPr>
+              <a:t>Aims to provide property owners with a tool to suggest appropriate listing prices. This tool can help property owners optimize their rental income while remaining competitive in the market..</a:t>
+            </a:r>
+          </a:p>
+          <a:p>
+            <a:r>
+              <a:rPr lang="en-US" sz="2100" i="0" dirty="0">
+                <a:solidFill>
+                  <a:srgbClr val="0D0D0D"/>
+                </a:solidFill>
+                <a:effectLst/>
+              </a:rPr>
+              <a:t>Optimize Rental Income</a:t>
+            </a:r>
+            <a:r>
+              <a:rPr lang="en-US" sz="2100" b="0" i="0" dirty="0">
+                <a:solidFill>
+                  <a:srgbClr val="0D0D0D"/>
+                </a:solidFill>
+                <a:effectLst/>
+              </a:rPr>
+              <a:t>: The primary objective is to assist property owners in Antwerp, Belgium, in optimizing their rental income by suggesting appropriate listing prices based on market dynamics and property characteristics.</a:t>
+            </a:r>
+          </a:p>
+          <a:p>
             <a:r>
               <a:rPr lang="en-US" sz="2100" dirty="0">
                 <a:solidFill>
                   <a:srgbClr val="0D0D0D"/>
                 </a:solidFill>
               </a:rPr>
-              <a:t>a</a:t>
+              <a:t>T</a:t>
             </a:r>
             <a:r>
               <a:rPr lang="en-US" sz="2100" b="0" i="0" dirty="0">
@@ -5828,59 +6319,27 @@
                 </a:solidFill>
                 <a:effectLst/>
               </a:rPr>
-              <a:t>s an online aggregator for short-term property rentals in Antwerp, Belgium, aims to provide property owners with a tool to suggest appropriate listing prices. This tool can help property owners optimize their rental income while remaining competitive in the market..</a:t>
-            </a:r>
-          </a:p>
-          <a:p>
-            <a:r>
-              <a:rPr lang="en-US" sz="2100" b="1" dirty="0">
-                <a:solidFill>
-                  <a:srgbClr val="C00000"/>
-                </a:solidFill>
-              </a:rPr>
-              <a:t>Objective:</a:t>
-            </a:r>
-          </a:p>
-          <a:p>
-            <a:r>
-              <a:rPr lang="en-US" sz="2100" i="0" dirty="0">
+              <a:t>he goal is to create a predictive model that takes into account these property attributes</a:t>
+            </a:r>
+            <a:r>
+              <a:rPr lang="en-US" sz="1800" b="0" i="0" dirty="0">
                 <a:solidFill>
                   <a:srgbClr val="0D0D0D"/>
                 </a:solidFill>
                 <a:effectLst/>
               </a:rPr>
-              <a:t>Optimize Rental Income</a:t>
-            </a:r>
-            <a:r>
-              <a:rPr lang="en-US" sz="2100" b="0" i="0" dirty="0">
+              <a:t>, </a:t>
+            </a:r>
+            <a:r>
+              <a:rPr lang="en-US" sz="2000" b="0" i="0" dirty="0">
                 <a:solidFill>
                   <a:srgbClr val="0D0D0D"/>
                 </a:solidFill>
                 <a:effectLst/>
               </a:rPr>
-              <a:t>: The primary objective is to assist property owners in Antwerp, Belgium, in optimizing their rental income by suggesting appropriate listing prices based on market dynamics and property characteristics.</a:t>
-            </a:r>
-          </a:p>
-          <a:p>
-            <a:r>
-              <a:rPr lang="en-US" sz="2100" b="0" i="0" dirty="0">
-                <a:solidFill>
-                  <a:srgbClr val="0D0D0D"/>
-                </a:solidFill>
-                <a:effectLst/>
-              </a:rPr>
-              <a:t>The aim is to develop an ML-based solution that generates accurate listing price suggestions for property owners in Antwerp, Belgium. Given data on property listings, calendar availability, host information, and reviews, the goal is to create a predictive model that takes into account property attributes</a:t>
-            </a:r>
-            <a:r>
-              <a:rPr lang="en-US" sz="1800" b="0" i="0" dirty="0">
-                <a:solidFill>
-                  <a:srgbClr val="0D0D0D"/>
-                </a:solidFill>
-                <a:effectLst/>
-              </a:rPr>
-              <a:t>, historical rental data, and market dynamics to recommend optimal rental prices.</a:t>
-            </a:r>
-            <a:endParaRPr lang="en-US" sz="1800" dirty="0"/>
+              <a:t>historical rental data to recommend optimal rental prices.</a:t>
+            </a:r>
+            <a:endParaRPr lang="en-US" sz="2000" dirty="0"/>
           </a:p>
           <a:p>
             <a:endParaRPr lang="en-US" dirty="0">
@@ -6022,13 +6481,7 @@
           <a:p>
             <a:r>
               <a:rPr lang="en-US" sz="1800" dirty="0"/>
-              <a:t>Calendar Table included the information of listings in Chronological Order which has columns like Listing id, Date,</a:t>
-            </a:r>
-          </a:p>
-          <a:p>
-            <a:r>
-              <a:rPr lang="en-US" sz="1800" dirty="0"/>
-              <a:t>Available, Price, Minimum nights and Maximum nights.</a:t>
+              <a:t>Calendar Table included the information of listings in Chronological Order which has columns like Listing id, Date, Available, Price, Minimum nights and Maximum nights.</a:t>
             </a:r>
           </a:p>
           <a:p>
@@ -6524,25 +6977,7 @@
                 </a:solidFill>
                 <a:effectLst/>
               </a:rPr>
-              <a:t>Total number of rows in calendar table are 319192 &amp; Total Unique </a:t>
-            </a:r>
-            <a:r>
-              <a:rPr lang="en-US" sz="1800" b="0" i="0" dirty="0" err="1">
-                <a:solidFill>
-                  <a:srgbClr val="212121"/>
-                </a:solidFill>
-                <a:effectLst/>
-              </a:rPr>
-              <a:t>listing_ids</a:t>
-            </a:r>
-            <a:r>
-              <a:rPr lang="en-US" sz="1800" b="0" i="0" dirty="0">
-                <a:solidFill>
-                  <a:srgbClr val="212121"/>
-                </a:solidFill>
-                <a:effectLst/>
-              </a:rPr>
-              <a:t> are 1749.</a:t>
+              <a:t>Total number of rows in calendar table are 319192 &amp; Total Unique listing_ids are 1749.</a:t>
             </a:r>
           </a:p>
           <a:p>
@@ -6587,26 +7022,95 @@
           <a:p>
             <a:r>
               <a:rPr lang="en-US" sz="1800" dirty="0"/>
-              <a:t>Percentage of missing values checked</a:t>
-            </a:r>
-          </a:p>
-          <a:p>
-            <a:r>
-              <a:rPr lang="en-US" sz="1800" dirty="0"/>
-              <a:t> &amp; Data Imputation</a:t>
+              <a:t>Percentage of missing values checked.</a:t>
+            </a:r>
+          </a:p>
+          <a:p>
+            <a:r>
+              <a:rPr lang="en-US" sz="1800" b="0" i="0" dirty="0">
+                <a:effectLst/>
+                <a:highlight>
+                  <a:srgbClr val="FFFFFF"/>
+                </a:highlight>
+              </a:rPr>
+              <a:t>With only 0.023% of missing values</a:t>
             </a:r>
           </a:p>
           <a:p>
             <a:pPr marL="0" indent="0">
               <a:buNone/>
             </a:pPr>
-            <a:endParaRPr lang="en-US" sz="1800" dirty="0">
-              <a:solidFill>
-                <a:srgbClr val="000000"/>
-              </a:solidFill>
-            </a:endParaRPr>
-          </a:p>
-          <a:p>
+            <a:r>
+              <a:rPr lang="en-US" sz="1800" b="0" i="0" dirty="0">
+                <a:effectLst/>
+                <a:highlight>
+                  <a:srgbClr val="FFFFFF"/>
+                </a:highlight>
+              </a:rPr>
+              <a:t>     in the price column we applied </a:t>
+            </a:r>
+          </a:p>
+          <a:p>
+            <a:pPr marL="0" indent="0">
+              <a:buNone/>
+            </a:pPr>
+            <a:r>
+              <a:rPr lang="en-US" sz="1800" dirty="0">
+                <a:highlight>
+                  <a:srgbClr val="FFFFFF"/>
+                </a:highlight>
+              </a:rPr>
+              <a:t>     </a:t>
+            </a:r>
+            <a:r>
+              <a:rPr lang="en-US" sz="1800" b="0" i="0" dirty="0">
+                <a:effectLst/>
+                <a:highlight>
+                  <a:srgbClr val="FFFFFF"/>
+                </a:highlight>
+              </a:rPr>
+              <a:t>data imputation technique r</a:t>
+            </a:r>
+            <a:r>
+              <a:rPr lang="en-US" sz="1800" dirty="0">
+                <a:highlight>
+                  <a:srgbClr val="FFFFFF"/>
+                </a:highlight>
+              </a:rPr>
+              <a:t>ather</a:t>
+            </a:r>
+          </a:p>
+          <a:p>
+            <a:pPr marL="0" indent="0">
+              <a:buNone/>
+            </a:pPr>
+            <a:r>
+              <a:rPr lang="en-US" sz="1800" dirty="0">
+                <a:highlight>
+                  <a:srgbClr val="FFFFFF"/>
+                </a:highlight>
+              </a:rPr>
+              <a:t>     than dropping null values as price </a:t>
+            </a:r>
+          </a:p>
+          <a:p>
+            <a:pPr marL="0" indent="0">
+              <a:buNone/>
+            </a:pPr>
+            <a:r>
+              <a:rPr lang="en-US" sz="1800" dirty="0">
+                <a:highlight>
+                  <a:srgbClr val="FFFFFF"/>
+                </a:highlight>
+              </a:rPr>
+              <a:t>     column is Target variable.</a:t>
+            </a:r>
+            <a:endParaRPr lang="en-US" sz="1800" dirty="0"/>
+          </a:p>
+          <a:p>
+            <a:pPr marL="0" indent="0">
+              <a:buNone/>
+            </a:pPr>
             <a:endParaRPr lang="en-US" sz="1800" b="1" dirty="0">
               <a:solidFill>
                 <a:srgbClr val="000000"/>
@@ -6737,7 +7241,7 @@
         </p:blipFill>
         <p:spPr>
           <a:xfrm>
-            <a:off x="4810538" y="3260035"/>
+            <a:off x="5022573" y="3359426"/>
             <a:ext cx="3578087" cy="3597964"/>
           </a:xfrm>
           <a:prstGeom prst="rect">
@@ -6791,7 +7295,12 @@
             <p:ph type="title"/>
           </p:nvPr>
         </p:nvSpPr>
-        <p:spPr/>
+        <p:spPr>
+          <a:xfrm>
+            <a:off x="838200" y="12907"/>
+            <a:ext cx="10515600" cy="1325563"/>
+          </a:xfrm>
+        </p:spPr>
         <p:txBody>
           <a:bodyPr>
             <a:normAutofit/>
@@ -6845,8 +7354,8 @@
         </p:nvSpPr>
         <p:spPr>
           <a:xfrm>
-            <a:off x="838200" y="1338470"/>
-            <a:ext cx="10515600" cy="4838493"/>
+            <a:off x="838200" y="887896"/>
+            <a:ext cx="10515600" cy="5830956"/>
           </a:xfrm>
         </p:spPr>
         <p:txBody>
@@ -6879,8 +7388,32 @@
                   <a:srgbClr val="000000"/>
                 </a:solidFill>
               </a:rPr>
-              <a:t>Missing values imputed in beds &amp; bedrooms columns.</a:t>
-            </a:r>
+              <a:t>Missing values in beds &amp; bedrooms columns.</a:t>
+            </a:r>
+          </a:p>
+          <a:p>
+            <a:r>
+              <a:rPr lang="en-IN" sz="1800" kern="100" dirty="0">
+                <a:effectLst/>
+                <a:ea typeface="Calibri" panose="020F0502020204030204" pitchFamily="34" charset="0"/>
+                <a:cs typeface="Times New Roman" panose="02020603050405020304" pitchFamily="18" charset="0"/>
+              </a:rPr>
+              <a:t>Imputed ‘beds’ column denoting number of beds with 1 for null values and ‘bedrooms’ column with 1 as there cannot be any Airbnb listing without any beds or bedrooms. The assumption is that any property listing will definitely have at least one bed and room for the customer to stay</a:t>
+            </a:r>
+            <a:r>
+              <a:rPr lang="en-IN" sz="1800" kern="100" dirty="0">
+                <a:effectLst/>
+                <a:latin typeface="Arial" panose="020B0604020202020204" pitchFamily="34" charset="0"/>
+                <a:ea typeface="Calibri" panose="020F0502020204030204" pitchFamily="34" charset="0"/>
+                <a:cs typeface="Times New Roman" panose="02020603050405020304" pitchFamily="18" charset="0"/>
+              </a:rPr>
+              <a:t>.</a:t>
+            </a:r>
+            <a:endParaRPr lang="en-US" sz="1800" dirty="0">
+              <a:solidFill>
+                <a:srgbClr val="000000"/>
+              </a:solidFill>
+            </a:endParaRPr>
           </a:p>
           <a:p>
             <a:r>
@@ -6891,6 +7424,63 @@
               </a:rPr>
               <a:t>Bathroom text column converted into float dtypes because it contains the info. in both number &amp; text format. </a:t>
             </a:r>
+          </a:p>
+          <a:p>
+            <a:r>
+              <a:rPr lang="en-IN" sz="1800" kern="0" dirty="0">
+                <a:solidFill>
+                  <a:srgbClr val="000000"/>
+                </a:solidFill>
+                <a:effectLst/>
+                <a:ea typeface="Times New Roman" panose="02020603050405020304" pitchFamily="18" charset="0"/>
+              </a:rPr>
+              <a:t>descriptions, </a:t>
+            </a:r>
+            <a:r>
+              <a:rPr lang="en-IN" sz="1800" kern="0" dirty="0" err="1">
+                <a:solidFill>
+                  <a:srgbClr val="000000"/>
+                </a:solidFill>
+                <a:effectLst/>
+                <a:ea typeface="Times New Roman" panose="02020603050405020304" pitchFamily="18" charset="0"/>
+              </a:rPr>
+              <a:t>host_about</a:t>
+            </a:r>
+            <a:r>
+              <a:rPr lang="en-IN" sz="1800" kern="0" dirty="0">
+                <a:solidFill>
+                  <a:srgbClr val="000000"/>
+                </a:solidFill>
+                <a:effectLst/>
+                <a:ea typeface="Times New Roman" panose="02020603050405020304" pitchFamily="18" charset="0"/>
+              </a:rPr>
+              <a:t>, </a:t>
+            </a:r>
+            <a:r>
+              <a:rPr lang="en-IN" sz="1800" kern="0" dirty="0" err="1">
+                <a:solidFill>
+                  <a:srgbClr val="000000"/>
+                </a:solidFill>
+                <a:effectLst/>
+                <a:ea typeface="Times New Roman" panose="02020603050405020304" pitchFamily="18" charset="0"/>
+              </a:rPr>
+              <a:t>host_location</a:t>
+            </a:r>
+            <a:r>
+              <a:rPr lang="en-IN" sz="1800" kern="0" dirty="0">
+                <a:solidFill>
+                  <a:srgbClr val="000000"/>
+                </a:solidFill>
+                <a:effectLst/>
+                <a:ea typeface="Times New Roman" panose="02020603050405020304" pitchFamily="18" charset="0"/>
+              </a:rPr>
+              <a:t>, comments which were dropped before further analysis </a:t>
+            </a:r>
+            <a:endParaRPr lang="en-US" sz="1800" dirty="0">
+              <a:solidFill>
+                <a:srgbClr val="000000"/>
+              </a:solidFill>
+            </a:endParaRPr>
           </a:p>
           <a:p>
             <a:r>
@@ -6928,8 +7518,8 @@
         </p:blipFill>
         <p:spPr>
           <a:xfrm>
-            <a:off x="2372138" y="3521766"/>
-            <a:ext cx="5483087" cy="2747963"/>
+            <a:off x="1391478" y="4147930"/>
+            <a:ext cx="8199783" cy="2570921"/>
           </a:xfrm>
           <a:prstGeom prst="rect">
             <a:avLst/>
@@ -7033,8 +7623,8 @@
         </p:blipFill>
         <p:spPr>
           <a:xfrm>
-            <a:off x="357809" y="1467200"/>
-            <a:ext cx="6056243" cy="3420016"/>
+            <a:off x="212035" y="1467200"/>
+            <a:ext cx="6308035" cy="3420016"/>
           </a:xfrm>
           <a:prstGeom prst="rect">
             <a:avLst/>
